--- a/FFPM/FFPM 233.pptx
+++ b/FFPM/FFPM 233.pptx
@@ -110,6 +110,22 @@
       </a:defRPr>
     </a:lvl9pPr>
   </p:defaultTextStyle>
+  <p:extLst>
+    <p:ext uri="{EFAFB233-063F-42B5-8137-9DF3F51BA10A}">
+      <p15:sldGuideLst xmlns:p15="http://schemas.microsoft.com/office/powerpoint/2012/main">
+        <p15:guide id="1" orient="horz" pos="1620">
+          <p15:clr>
+            <a:srgbClr val="A4A3A4"/>
+          </p15:clr>
+        </p15:guide>
+        <p15:guide id="2" pos="2880">
+          <p15:clr>
+            <a:srgbClr val="A4A3A4"/>
+          </p15:clr>
+        </p15:guide>
+      </p15:sldGuideLst>
+    </p:ext>
+  </p:extLst>
 </p:presentation>
 </file>
 
@@ -151,10 +167,9 @@
           <a:lstStyle/>
           <a:p>
             <a:r>
-              <a:rPr lang="fr-FR" smtClean="0"/>
+              <a:rPr lang="fr-FR"/>
               <a:t>Modifiez le style du titre</a:t>
             </a:r>
-            <a:endParaRPr lang="fr-FR"/>
           </a:p>
         </p:txBody>
       </p:sp>
@@ -270,10 +285,9 @@
           </a:lstStyle>
           <a:p>
             <a:r>
-              <a:rPr lang="fr-FR" smtClean="0"/>
+              <a:rPr lang="fr-FR"/>
               <a:t>Modifiez le style des sous-titres du masque</a:t>
             </a:r>
-            <a:endParaRPr lang="fr-FR"/>
           </a:p>
         </p:txBody>
       </p:sp>
@@ -294,7 +308,7 @@
           <a:p>
             <a:fld id="{A079F2CD-E36C-4A85-86B4-52AFF9554F35}" type="datetimeFigureOut">
               <a:rPr lang="fr-FR" smtClean="0"/>
-              <a:t>05/08/2014</a:t>
+              <a:t>31/12/2023</a:t>
             </a:fld>
             <a:endParaRPr lang="fr-FR"/>
           </a:p>
@@ -388,10 +402,9 @@
           <a:lstStyle/>
           <a:p>
             <a:r>
-              <a:rPr lang="fr-FR" smtClean="0"/>
+              <a:rPr lang="fr-FR"/>
               <a:t>Modifiez le style du titre</a:t>
             </a:r>
-            <a:endParaRPr lang="fr-FR"/>
           </a:p>
         </p:txBody>
       </p:sp>
@@ -412,38 +425,37 @@
           <a:p>
             <a:pPr lvl="0"/>
             <a:r>
-              <a:rPr lang="fr-FR" smtClean="0"/>
+              <a:rPr lang="fr-FR"/>
               <a:t>Modifiez les styles du texte du masque</a:t>
             </a:r>
           </a:p>
           <a:p>
             <a:pPr lvl="1"/>
             <a:r>
-              <a:rPr lang="fr-FR" smtClean="0"/>
+              <a:rPr lang="fr-FR"/>
               <a:t>Deuxième niveau</a:t>
             </a:r>
           </a:p>
           <a:p>
             <a:pPr lvl="2"/>
             <a:r>
-              <a:rPr lang="fr-FR" smtClean="0"/>
+              <a:rPr lang="fr-FR"/>
               <a:t>Troisième niveau</a:t>
             </a:r>
           </a:p>
           <a:p>
             <a:pPr lvl="3"/>
             <a:r>
-              <a:rPr lang="fr-FR" smtClean="0"/>
+              <a:rPr lang="fr-FR"/>
               <a:t>Quatrième niveau</a:t>
             </a:r>
           </a:p>
           <a:p>
             <a:pPr lvl="4"/>
             <a:r>
-              <a:rPr lang="fr-FR" smtClean="0"/>
+              <a:rPr lang="fr-FR"/>
               <a:t>Cinquième niveau</a:t>
             </a:r>
-            <a:endParaRPr lang="fr-FR"/>
           </a:p>
         </p:txBody>
       </p:sp>
@@ -464,7 +476,7 @@
           <a:p>
             <a:fld id="{A079F2CD-E36C-4A85-86B4-52AFF9554F35}" type="datetimeFigureOut">
               <a:rPr lang="fr-FR" smtClean="0"/>
-              <a:t>05/08/2014</a:t>
+              <a:t>31/12/2023</a:t>
             </a:fld>
             <a:endParaRPr lang="fr-FR"/>
           </a:p>
@@ -563,10 +575,9 @@
           <a:lstStyle/>
           <a:p>
             <a:r>
-              <a:rPr lang="fr-FR" smtClean="0"/>
+              <a:rPr lang="fr-FR"/>
               <a:t>Modifiez le style du titre</a:t>
             </a:r>
-            <a:endParaRPr lang="fr-FR"/>
           </a:p>
         </p:txBody>
       </p:sp>
@@ -592,38 +603,37 @@
           <a:p>
             <a:pPr lvl="0"/>
             <a:r>
-              <a:rPr lang="fr-FR" smtClean="0"/>
+              <a:rPr lang="fr-FR"/>
               <a:t>Modifiez les styles du texte du masque</a:t>
             </a:r>
           </a:p>
           <a:p>
             <a:pPr lvl="1"/>
             <a:r>
-              <a:rPr lang="fr-FR" smtClean="0"/>
+              <a:rPr lang="fr-FR"/>
               <a:t>Deuxième niveau</a:t>
             </a:r>
           </a:p>
           <a:p>
             <a:pPr lvl="2"/>
             <a:r>
-              <a:rPr lang="fr-FR" smtClean="0"/>
+              <a:rPr lang="fr-FR"/>
               <a:t>Troisième niveau</a:t>
             </a:r>
           </a:p>
           <a:p>
             <a:pPr lvl="3"/>
             <a:r>
-              <a:rPr lang="fr-FR" smtClean="0"/>
+              <a:rPr lang="fr-FR"/>
               <a:t>Quatrième niveau</a:t>
             </a:r>
           </a:p>
           <a:p>
             <a:pPr lvl="4"/>
             <a:r>
-              <a:rPr lang="fr-FR" smtClean="0"/>
+              <a:rPr lang="fr-FR"/>
               <a:t>Cinquième niveau</a:t>
             </a:r>
-            <a:endParaRPr lang="fr-FR"/>
           </a:p>
         </p:txBody>
       </p:sp>
@@ -644,7 +654,7 @@
           <a:p>
             <a:fld id="{A079F2CD-E36C-4A85-86B4-52AFF9554F35}" type="datetimeFigureOut">
               <a:rPr lang="fr-FR" smtClean="0"/>
-              <a:t>05/08/2014</a:t>
+              <a:t>31/12/2023</a:t>
             </a:fld>
             <a:endParaRPr lang="fr-FR"/>
           </a:p>
@@ -738,10 +748,9 @@
           <a:lstStyle/>
           <a:p>
             <a:r>
-              <a:rPr lang="fr-FR" smtClean="0"/>
+              <a:rPr lang="fr-FR"/>
               <a:t>Modifiez le style du titre</a:t>
             </a:r>
-            <a:endParaRPr lang="fr-FR"/>
           </a:p>
         </p:txBody>
       </p:sp>
@@ -762,38 +771,37 @@
           <a:p>
             <a:pPr lvl="0"/>
             <a:r>
-              <a:rPr lang="fr-FR" smtClean="0"/>
+              <a:rPr lang="fr-FR"/>
               <a:t>Modifiez les styles du texte du masque</a:t>
             </a:r>
           </a:p>
           <a:p>
             <a:pPr lvl="1"/>
             <a:r>
-              <a:rPr lang="fr-FR" smtClean="0"/>
+              <a:rPr lang="fr-FR"/>
               <a:t>Deuxième niveau</a:t>
             </a:r>
           </a:p>
           <a:p>
             <a:pPr lvl="2"/>
             <a:r>
-              <a:rPr lang="fr-FR" smtClean="0"/>
+              <a:rPr lang="fr-FR"/>
               <a:t>Troisième niveau</a:t>
             </a:r>
           </a:p>
           <a:p>
             <a:pPr lvl="3"/>
             <a:r>
-              <a:rPr lang="fr-FR" smtClean="0"/>
+              <a:rPr lang="fr-FR"/>
               <a:t>Quatrième niveau</a:t>
             </a:r>
           </a:p>
           <a:p>
             <a:pPr lvl="4"/>
             <a:r>
-              <a:rPr lang="fr-FR" smtClean="0"/>
+              <a:rPr lang="fr-FR"/>
               <a:t>Cinquième niveau</a:t>
             </a:r>
-            <a:endParaRPr lang="fr-FR"/>
           </a:p>
         </p:txBody>
       </p:sp>
@@ -814,7 +822,7 @@
           <a:p>
             <a:fld id="{A079F2CD-E36C-4A85-86B4-52AFF9554F35}" type="datetimeFigureOut">
               <a:rPr lang="fr-FR" smtClean="0"/>
-              <a:t>05/08/2014</a:t>
+              <a:t>31/12/2023</a:t>
             </a:fld>
             <a:endParaRPr lang="fr-FR"/>
           </a:p>
@@ -917,10 +925,9 @@
           </a:lstStyle>
           <a:p>
             <a:r>
-              <a:rPr lang="fr-FR" smtClean="0"/>
+              <a:rPr lang="fr-FR"/>
               <a:t>Modifiez le style du titre</a:t>
             </a:r>
-            <a:endParaRPr lang="fr-FR"/>
           </a:p>
         </p:txBody>
       </p:sp>
@@ -1037,7 +1044,7 @@
           <a:p>
             <a:pPr lvl="0"/>
             <a:r>
-              <a:rPr lang="fr-FR" smtClean="0"/>
+              <a:rPr lang="fr-FR"/>
               <a:t>Modifiez les styles du texte du masque</a:t>
             </a:r>
           </a:p>
@@ -1060,7 +1067,7 @@
           <a:p>
             <a:fld id="{A079F2CD-E36C-4A85-86B4-52AFF9554F35}" type="datetimeFigureOut">
               <a:rPr lang="fr-FR" smtClean="0"/>
-              <a:t>05/08/2014</a:t>
+              <a:t>31/12/2023</a:t>
             </a:fld>
             <a:endParaRPr lang="fr-FR"/>
           </a:p>
@@ -1154,10 +1161,9 @@
           <a:lstStyle/>
           <a:p>
             <a:r>
-              <a:rPr lang="fr-FR" smtClean="0"/>
+              <a:rPr lang="fr-FR"/>
               <a:t>Modifiez le style du titre</a:t>
             </a:r>
-            <a:endParaRPr lang="fr-FR"/>
           </a:p>
         </p:txBody>
       </p:sp>
@@ -1211,38 +1217,37 @@
           <a:p>
             <a:pPr lvl="0"/>
             <a:r>
-              <a:rPr lang="fr-FR" smtClean="0"/>
+              <a:rPr lang="fr-FR"/>
               <a:t>Modifiez les styles du texte du masque</a:t>
             </a:r>
           </a:p>
           <a:p>
             <a:pPr lvl="1"/>
             <a:r>
-              <a:rPr lang="fr-FR" smtClean="0"/>
+              <a:rPr lang="fr-FR"/>
               <a:t>Deuxième niveau</a:t>
             </a:r>
           </a:p>
           <a:p>
             <a:pPr lvl="2"/>
             <a:r>
-              <a:rPr lang="fr-FR" smtClean="0"/>
+              <a:rPr lang="fr-FR"/>
               <a:t>Troisième niveau</a:t>
             </a:r>
           </a:p>
           <a:p>
             <a:pPr lvl="3"/>
             <a:r>
-              <a:rPr lang="fr-FR" smtClean="0"/>
+              <a:rPr lang="fr-FR"/>
               <a:t>Quatrième niveau</a:t>
             </a:r>
           </a:p>
           <a:p>
             <a:pPr lvl="4"/>
             <a:r>
-              <a:rPr lang="fr-FR" smtClean="0"/>
+              <a:rPr lang="fr-FR"/>
               <a:t>Cinquième niveau</a:t>
             </a:r>
-            <a:endParaRPr lang="fr-FR"/>
           </a:p>
         </p:txBody>
       </p:sp>
@@ -1296,38 +1301,37 @@
           <a:p>
             <a:pPr lvl="0"/>
             <a:r>
-              <a:rPr lang="fr-FR" smtClean="0"/>
+              <a:rPr lang="fr-FR"/>
               <a:t>Modifiez les styles du texte du masque</a:t>
             </a:r>
           </a:p>
           <a:p>
             <a:pPr lvl="1"/>
             <a:r>
-              <a:rPr lang="fr-FR" smtClean="0"/>
+              <a:rPr lang="fr-FR"/>
               <a:t>Deuxième niveau</a:t>
             </a:r>
           </a:p>
           <a:p>
             <a:pPr lvl="2"/>
             <a:r>
-              <a:rPr lang="fr-FR" smtClean="0"/>
+              <a:rPr lang="fr-FR"/>
               <a:t>Troisième niveau</a:t>
             </a:r>
           </a:p>
           <a:p>
             <a:pPr lvl="3"/>
             <a:r>
-              <a:rPr lang="fr-FR" smtClean="0"/>
+              <a:rPr lang="fr-FR"/>
               <a:t>Quatrième niveau</a:t>
             </a:r>
           </a:p>
           <a:p>
             <a:pPr lvl="4"/>
             <a:r>
-              <a:rPr lang="fr-FR" smtClean="0"/>
+              <a:rPr lang="fr-FR"/>
               <a:t>Cinquième niveau</a:t>
             </a:r>
-            <a:endParaRPr lang="fr-FR"/>
           </a:p>
         </p:txBody>
       </p:sp>
@@ -1348,7 +1352,7 @@
           <a:p>
             <a:fld id="{A079F2CD-E36C-4A85-86B4-52AFF9554F35}" type="datetimeFigureOut">
               <a:rPr lang="fr-FR" smtClean="0"/>
-              <a:t>05/08/2014</a:t>
+              <a:t>31/12/2023</a:t>
             </a:fld>
             <a:endParaRPr lang="fr-FR"/>
           </a:p>
@@ -1451,10 +1455,9 @@
           </a:lstStyle>
           <a:p>
             <a:r>
-              <a:rPr lang="fr-FR" smtClean="0"/>
+              <a:rPr lang="fr-FR"/>
               <a:t>Modifiez le style du titre</a:t>
             </a:r>
-            <a:endParaRPr lang="fr-FR"/>
           </a:p>
         </p:txBody>
       </p:sp>
@@ -1517,7 +1520,7 @@
           <a:p>
             <a:pPr lvl="0"/>
             <a:r>
-              <a:rPr lang="fr-FR" smtClean="0"/>
+              <a:rPr lang="fr-FR"/>
               <a:t>Modifiez les styles du texte du masque</a:t>
             </a:r>
           </a:p>
@@ -1573,38 +1576,37 @@
           <a:p>
             <a:pPr lvl="0"/>
             <a:r>
-              <a:rPr lang="fr-FR" smtClean="0"/>
+              <a:rPr lang="fr-FR"/>
               <a:t>Modifiez les styles du texte du masque</a:t>
             </a:r>
           </a:p>
           <a:p>
             <a:pPr lvl="1"/>
             <a:r>
-              <a:rPr lang="fr-FR" smtClean="0"/>
+              <a:rPr lang="fr-FR"/>
               <a:t>Deuxième niveau</a:t>
             </a:r>
           </a:p>
           <a:p>
             <a:pPr lvl="2"/>
             <a:r>
-              <a:rPr lang="fr-FR" smtClean="0"/>
+              <a:rPr lang="fr-FR"/>
               <a:t>Troisième niveau</a:t>
             </a:r>
           </a:p>
           <a:p>
             <a:pPr lvl="3"/>
             <a:r>
-              <a:rPr lang="fr-FR" smtClean="0"/>
+              <a:rPr lang="fr-FR"/>
               <a:t>Quatrième niveau</a:t>
             </a:r>
           </a:p>
           <a:p>
             <a:pPr lvl="4"/>
             <a:r>
-              <a:rPr lang="fr-FR" smtClean="0"/>
+              <a:rPr lang="fr-FR"/>
               <a:t>Cinquième niveau</a:t>
             </a:r>
-            <a:endParaRPr lang="fr-FR"/>
           </a:p>
         </p:txBody>
       </p:sp>
@@ -1667,7 +1669,7 @@
           <a:p>
             <a:pPr lvl="0"/>
             <a:r>
-              <a:rPr lang="fr-FR" smtClean="0"/>
+              <a:rPr lang="fr-FR"/>
               <a:t>Modifiez les styles du texte du masque</a:t>
             </a:r>
           </a:p>
@@ -1723,38 +1725,37 @@
           <a:p>
             <a:pPr lvl="0"/>
             <a:r>
-              <a:rPr lang="fr-FR" smtClean="0"/>
+              <a:rPr lang="fr-FR"/>
               <a:t>Modifiez les styles du texte du masque</a:t>
             </a:r>
           </a:p>
           <a:p>
             <a:pPr lvl="1"/>
             <a:r>
-              <a:rPr lang="fr-FR" smtClean="0"/>
+              <a:rPr lang="fr-FR"/>
               <a:t>Deuxième niveau</a:t>
             </a:r>
           </a:p>
           <a:p>
             <a:pPr lvl="2"/>
             <a:r>
-              <a:rPr lang="fr-FR" smtClean="0"/>
+              <a:rPr lang="fr-FR"/>
               <a:t>Troisième niveau</a:t>
             </a:r>
           </a:p>
           <a:p>
             <a:pPr lvl="3"/>
             <a:r>
-              <a:rPr lang="fr-FR" smtClean="0"/>
+              <a:rPr lang="fr-FR"/>
               <a:t>Quatrième niveau</a:t>
             </a:r>
           </a:p>
           <a:p>
             <a:pPr lvl="4"/>
             <a:r>
-              <a:rPr lang="fr-FR" smtClean="0"/>
+              <a:rPr lang="fr-FR"/>
               <a:t>Cinquième niveau</a:t>
             </a:r>
-            <a:endParaRPr lang="fr-FR"/>
           </a:p>
         </p:txBody>
       </p:sp>
@@ -1775,7 +1776,7 @@
           <a:p>
             <a:fld id="{A079F2CD-E36C-4A85-86B4-52AFF9554F35}" type="datetimeFigureOut">
               <a:rPr lang="fr-FR" smtClean="0"/>
-              <a:t>05/08/2014</a:t>
+              <a:t>31/12/2023</a:t>
             </a:fld>
             <a:endParaRPr lang="fr-FR"/>
           </a:p>
@@ -1869,10 +1870,9 @@
           <a:lstStyle/>
           <a:p>
             <a:r>
-              <a:rPr lang="fr-FR" smtClean="0"/>
+              <a:rPr lang="fr-FR"/>
               <a:t>Modifiez le style du titre</a:t>
             </a:r>
-            <a:endParaRPr lang="fr-FR"/>
           </a:p>
         </p:txBody>
       </p:sp>
@@ -1893,7 +1893,7 @@
           <a:p>
             <a:fld id="{A079F2CD-E36C-4A85-86B4-52AFF9554F35}" type="datetimeFigureOut">
               <a:rPr lang="fr-FR" smtClean="0"/>
-              <a:t>05/08/2014</a:t>
+              <a:t>31/12/2023</a:t>
             </a:fld>
             <a:endParaRPr lang="fr-FR"/>
           </a:p>
@@ -1988,7 +1988,7 @@
           <a:p>
             <a:fld id="{A079F2CD-E36C-4A85-86B4-52AFF9554F35}" type="datetimeFigureOut">
               <a:rPr lang="fr-FR" smtClean="0"/>
-              <a:t>05/08/2014</a:t>
+              <a:t>31/12/2023</a:t>
             </a:fld>
             <a:endParaRPr lang="fr-FR"/>
           </a:p>
@@ -2091,10 +2091,9 @@
           </a:lstStyle>
           <a:p>
             <a:r>
-              <a:rPr lang="fr-FR" smtClean="0"/>
+              <a:rPr lang="fr-FR"/>
               <a:t>Modifiez le style du titre</a:t>
             </a:r>
-            <a:endParaRPr lang="fr-FR"/>
           </a:p>
         </p:txBody>
       </p:sp>
@@ -2148,38 +2147,37 @@
           <a:p>
             <a:pPr lvl="0"/>
             <a:r>
-              <a:rPr lang="fr-FR" smtClean="0"/>
+              <a:rPr lang="fr-FR"/>
               <a:t>Modifiez les styles du texte du masque</a:t>
             </a:r>
           </a:p>
           <a:p>
             <a:pPr lvl="1"/>
             <a:r>
-              <a:rPr lang="fr-FR" smtClean="0"/>
+              <a:rPr lang="fr-FR"/>
               <a:t>Deuxième niveau</a:t>
             </a:r>
           </a:p>
           <a:p>
             <a:pPr lvl="2"/>
             <a:r>
-              <a:rPr lang="fr-FR" smtClean="0"/>
+              <a:rPr lang="fr-FR"/>
               <a:t>Troisième niveau</a:t>
             </a:r>
           </a:p>
           <a:p>
             <a:pPr lvl="3"/>
             <a:r>
-              <a:rPr lang="fr-FR" smtClean="0"/>
+              <a:rPr lang="fr-FR"/>
               <a:t>Quatrième niveau</a:t>
             </a:r>
           </a:p>
           <a:p>
             <a:pPr lvl="4"/>
             <a:r>
-              <a:rPr lang="fr-FR" smtClean="0"/>
+              <a:rPr lang="fr-FR"/>
               <a:t>Cinquième niveau</a:t>
             </a:r>
-            <a:endParaRPr lang="fr-FR"/>
           </a:p>
         </p:txBody>
       </p:sp>
@@ -2242,7 +2240,7 @@
           <a:p>
             <a:pPr lvl="0"/>
             <a:r>
-              <a:rPr lang="fr-FR" smtClean="0"/>
+              <a:rPr lang="fr-FR"/>
               <a:t>Modifiez les styles du texte du masque</a:t>
             </a:r>
           </a:p>
@@ -2265,7 +2263,7 @@
           <a:p>
             <a:fld id="{A079F2CD-E36C-4A85-86B4-52AFF9554F35}" type="datetimeFigureOut">
               <a:rPr lang="fr-FR" smtClean="0"/>
-              <a:t>05/08/2014</a:t>
+              <a:t>31/12/2023</a:t>
             </a:fld>
             <a:endParaRPr lang="fr-FR"/>
           </a:p>
@@ -2368,10 +2366,9 @@
           </a:lstStyle>
           <a:p>
             <a:r>
-              <a:rPr lang="fr-FR" smtClean="0"/>
+              <a:rPr lang="fr-FR"/>
               <a:t>Modifiez le style du titre</a:t>
             </a:r>
-            <a:endParaRPr lang="fr-FR"/>
           </a:p>
         </p:txBody>
       </p:sp>
@@ -2495,7 +2492,7 @@
           <a:p>
             <a:pPr lvl="0"/>
             <a:r>
-              <a:rPr lang="fr-FR" smtClean="0"/>
+              <a:rPr lang="fr-FR"/>
               <a:t>Modifiez les styles du texte du masque</a:t>
             </a:r>
           </a:p>
@@ -2518,7 +2515,7 @@
           <a:p>
             <a:fld id="{A079F2CD-E36C-4A85-86B4-52AFF9554F35}" type="datetimeFigureOut">
               <a:rPr lang="fr-FR" smtClean="0"/>
-              <a:t>05/08/2014</a:t>
+              <a:t>31/12/2023</a:t>
             </a:fld>
             <a:endParaRPr lang="fr-FR"/>
           </a:p>
@@ -2627,10 +2624,9 @@
           <a:lstStyle/>
           <a:p>
             <a:r>
-              <a:rPr lang="fr-FR" smtClean="0"/>
+              <a:rPr lang="fr-FR"/>
               <a:t>Modifiez le style du titre</a:t>
             </a:r>
-            <a:endParaRPr lang="fr-FR"/>
           </a:p>
         </p:txBody>
       </p:sp>
@@ -2661,38 +2657,37 @@
           <a:p>
             <a:pPr lvl="0"/>
             <a:r>
-              <a:rPr lang="fr-FR" smtClean="0"/>
+              <a:rPr lang="fr-FR"/>
               <a:t>Modifiez les styles du texte du masque</a:t>
             </a:r>
           </a:p>
           <a:p>
             <a:pPr lvl="1"/>
             <a:r>
-              <a:rPr lang="fr-FR" smtClean="0"/>
+              <a:rPr lang="fr-FR"/>
               <a:t>Deuxième niveau</a:t>
             </a:r>
           </a:p>
           <a:p>
             <a:pPr lvl="2"/>
             <a:r>
-              <a:rPr lang="fr-FR" smtClean="0"/>
+              <a:rPr lang="fr-FR"/>
               <a:t>Troisième niveau</a:t>
             </a:r>
           </a:p>
           <a:p>
             <a:pPr lvl="3"/>
             <a:r>
-              <a:rPr lang="fr-FR" smtClean="0"/>
+              <a:rPr lang="fr-FR"/>
               <a:t>Quatrième niveau</a:t>
             </a:r>
           </a:p>
           <a:p>
             <a:pPr lvl="4"/>
             <a:r>
-              <a:rPr lang="fr-FR" smtClean="0"/>
+              <a:rPr lang="fr-FR"/>
               <a:t>Cinquième niveau</a:t>
             </a:r>
-            <a:endParaRPr lang="fr-FR"/>
           </a:p>
         </p:txBody>
       </p:sp>
@@ -2731,7 +2726,7 @@
           <a:p>
             <a:fld id="{A079F2CD-E36C-4A85-86B4-52AFF9554F35}" type="datetimeFigureOut">
               <a:rPr lang="fr-FR" smtClean="0"/>
-              <a:t>05/08/2014</a:t>
+              <a:t>31/12/2023</a:t>
             </a:fld>
             <a:endParaRPr lang="fr-FR"/>
           </a:p>
@@ -3160,18 +3155,13 @@
           <a:p>
             <a:pPr algn="ctr"/>
             <a:r>
-              <a:rPr lang="fr-FR" sz="8800" b="1" dirty="0" smtClean="0">
+              <a:rPr lang="fr-FR" sz="8800" b="1" dirty="0">
                 <a:solidFill>
                   <a:srgbClr val="00B0F0"/>
                 </a:solidFill>
               </a:rPr>
               <a:t>FFPM</a:t>
             </a:r>
-            <a:endParaRPr lang="fr-FR" sz="8800" b="1" dirty="0">
-              <a:solidFill>
-                <a:srgbClr val="00B0F0"/>
-              </a:solidFill>
-            </a:endParaRPr>
           </a:p>
         </p:txBody>
       </p:sp>
@@ -3185,13 +3175,6 @@
   <p:clrMapOvr>
     <a:masterClrMapping/>
   </p:clrMapOvr>
-  <p:timing>
-    <p:tnLst>
-      <p:par>
-        <p:cTn id="1" dur="indefinite" restart="never" nodeType="tmRoot"/>
-      </p:par>
-    </p:tnLst>
-  </p:timing>
 </p:sld>
 </file>
 
@@ -3255,48 +3238,36 @@
               <a:t>, </a:t>
             </a:r>
             <a:r>
-              <a:rPr lang="en-GB" sz="6600" b="1" dirty="0" err="1" smtClean="0"/>
+              <a:rPr lang="en-GB" sz="6600" b="1" dirty="0" err="1"/>
               <a:t>asehoy</a:t>
             </a:r>
-            <a:endParaRPr lang="fr-FR" sz="6600" b="1" dirty="0" smtClean="0"/>
+            <a:endParaRPr lang="fr-FR" sz="6600" b="1" dirty="0"/>
           </a:p>
           <a:p>
             <a:pPr algn="ctr"/>
             <a:r>
-              <a:rPr lang="en-GB" sz="6600" b="1" dirty="0" err="1" smtClean="0"/>
+              <a:rPr lang="en-GB" sz="6600" b="1" dirty="0" err="1"/>
               <a:t>Ny</a:t>
-            </a:r>
-            <a:r>
-              <a:rPr lang="en-GB" sz="6600" b="1" dirty="0" smtClean="0"/>
-              <a:t> </a:t>
-            </a:r>
-            <a:r>
-              <a:rPr lang="en-GB" sz="6600" b="1" dirty="0" err="1"/>
-              <a:t>hasoavanao</a:t>
             </a:r>
             <a:r>
               <a:rPr lang="en-GB" sz="6600" b="1" dirty="0"/>
               <a:t> </a:t>
             </a:r>
             <a:r>
-              <a:rPr lang="en-GB" sz="6600" b="1" dirty="0" smtClean="0"/>
-              <a:t>;</a:t>
-            </a:r>
-            <a:endParaRPr lang="fr-FR" sz="6600" b="1" dirty="0" smtClean="0"/>
+              <a:rPr lang="en-GB" sz="6600" b="1" dirty="0" err="1"/>
+              <a:t>hasoavanao</a:t>
+            </a:r>
+            <a:r>
+              <a:rPr lang="en-GB" sz="6600" b="1" dirty="0"/>
+              <a:t> ;</a:t>
+            </a:r>
+            <a:endParaRPr lang="fr-FR" sz="6600" b="1" dirty="0"/>
           </a:p>
           <a:p>
             <a:pPr algn="ctr"/>
             <a:r>
-              <a:rPr lang="en-GB" sz="6600" b="1" dirty="0" err="1" smtClean="0"/>
+              <a:rPr lang="en-GB" sz="6600" b="1" dirty="0" err="1"/>
               <a:t>Sasao</a:t>
-            </a:r>
-            <a:r>
-              <a:rPr lang="en-GB" sz="6600" b="1" dirty="0" smtClean="0"/>
-              <a:t> </a:t>
-            </a:r>
-            <a:r>
-              <a:rPr lang="en-GB" sz="6600" b="1" dirty="0" err="1"/>
-              <a:t>ho</a:t>
             </a:r>
             <a:r>
               <a:rPr lang="en-GB" sz="6600" b="1" dirty="0"/>
@@ -3304,26 +3275,6 @@
             </a:r>
             <a:r>
               <a:rPr lang="en-GB" sz="6600" b="1" dirty="0" err="1"/>
-              <a:t>afa-keloka</a:t>
-            </a:r>
-            <a:endParaRPr lang="fr-FR" sz="6600" b="1" dirty="0"/>
-          </a:p>
-          <a:p>
-            <a:pPr algn="ctr"/>
-            <a:r>
-              <a:rPr lang="en-GB" sz="6600" b="1" i="1" dirty="0" err="1" smtClean="0"/>
-              <a:t>I</a:t>
-            </a:r>
-            <a:r>
-              <a:rPr lang="en-GB" sz="6600" b="1" dirty="0" err="1" smtClean="0"/>
-              <a:t>zahay</a:t>
-            </a:r>
-            <a:r>
-              <a:rPr lang="en-GB" sz="6600" b="1" dirty="0" smtClean="0"/>
-              <a:t> </a:t>
-            </a:r>
-            <a:r>
-              <a:rPr lang="en-GB" sz="6600" b="1" dirty="0" err="1"/>
               <a:t>ho</a:t>
             </a:r>
             <a:r>
@@ -3332,15 +3283,39 @@
             </a:r>
             <a:r>
               <a:rPr lang="en-GB" sz="6600" b="1" dirty="0" err="1"/>
-              <a:t>zanakao</a:t>
+              <a:t>afa-keloka</a:t>
+            </a:r>
+            <a:endParaRPr lang="fr-FR" sz="6600" b="1" dirty="0"/>
+          </a:p>
+          <a:p>
+            <a:pPr algn="ctr"/>
+            <a:r>
+              <a:rPr lang="en-GB" sz="6600" b="1" i="1" dirty="0" err="1"/>
+              <a:t>I</a:t>
+            </a:r>
+            <a:r>
+              <a:rPr lang="en-GB" sz="6600" b="1" dirty="0" err="1"/>
+              <a:t>zahay</a:t>
             </a:r>
             <a:r>
               <a:rPr lang="en-GB" sz="6600" b="1" dirty="0"/>
               <a:t> </a:t>
             </a:r>
             <a:r>
-              <a:rPr lang="en-GB" sz="6600" b="1" dirty="0" smtClean="0"/>
-              <a:t>;</a:t>
+              <a:rPr lang="en-GB" sz="6600" b="1" dirty="0" err="1"/>
+              <a:t>ho</a:t>
+            </a:r>
+            <a:r>
+              <a:rPr lang="en-GB" sz="6600" b="1" dirty="0"/>
+              <a:t> </a:t>
+            </a:r>
+            <a:r>
+              <a:rPr lang="en-GB" sz="6600" b="1" dirty="0" err="1"/>
+              <a:t>zanakao</a:t>
+            </a:r>
+            <a:r>
+              <a:rPr lang="en-GB" sz="6600" b="1" dirty="0"/>
+              <a:t> ;</a:t>
             </a:r>
             <a:endParaRPr lang="fr-FR" sz="6600" b="1" dirty="0"/>
           </a:p>
@@ -3356,13 +3331,6 @@
   <p:clrMapOvr>
     <a:masterClrMapping/>
   </p:clrMapOvr>
-  <p:timing>
-    <p:tnLst>
-      <p:par>
-        <p:cTn id="1" dur="indefinite" restart="never" nodeType="tmRoot"/>
-      </p:par>
-    </p:tnLst>
-  </p:timing>
 </p:sld>
 </file>
 
@@ -3406,218 +3374,110 @@
           <a:p>
             <a:pPr algn="ctr"/>
             <a:r>
-              <a:rPr lang="en-GB" sz="6600" b="1" dirty="0" err="1" smtClean="0">
-                <a:solidFill>
-                  <a:srgbClr val="00B0F0"/>
-                </a:solidFill>
-              </a:rPr>
+              <a:rPr lang="en-GB" sz="6600" b="1" dirty="0" err="1"/>
               <a:t>Ho</a:t>
             </a:r>
             <a:r>
-              <a:rPr lang="en-GB" sz="6600" b="1" dirty="0" smtClean="0">
-                <a:solidFill>
-                  <a:srgbClr val="00B0F0"/>
-                </a:solidFill>
-              </a:rPr>
+              <a:rPr lang="en-GB" sz="6600" b="1" dirty="0"/>
               <a:t> </a:t>
             </a:r>
             <a:r>
-              <a:rPr lang="en-GB" sz="6600" b="1" dirty="0" err="1">
-                <a:solidFill>
-                  <a:srgbClr val="00B0F0"/>
-                </a:solidFill>
-              </a:rPr>
+              <a:rPr lang="en-GB" sz="6600" b="1" dirty="0" err="1"/>
               <a:t>mafy</a:t>
             </a:r>
             <a:r>
-              <a:rPr lang="en-GB" sz="6600" b="1" dirty="0">
-                <a:solidFill>
-                  <a:srgbClr val="00B0F0"/>
-                </a:solidFill>
-              </a:rPr>
+              <a:rPr lang="en-GB" sz="6600" b="1" dirty="0"/>
               <a:t> </a:t>
             </a:r>
             <a:r>
-              <a:rPr lang="en-GB" sz="6600" b="1" dirty="0" err="1">
-                <a:solidFill>
-                  <a:srgbClr val="00B0F0"/>
-                </a:solidFill>
-              </a:rPr>
+              <a:rPr lang="en-GB" sz="6600" b="1" dirty="0" err="1"/>
               <a:t>ny</a:t>
             </a:r>
             <a:r>
-              <a:rPr lang="en-GB" sz="6600" b="1" dirty="0">
-                <a:solidFill>
-                  <a:srgbClr val="00B0F0"/>
-                </a:solidFill>
-              </a:rPr>
+              <a:rPr lang="en-GB" sz="6600" b="1" dirty="0"/>
               <a:t> </a:t>
             </a:r>
             <a:r>
-              <a:rPr lang="en-GB" sz="6600" b="1" dirty="0" err="1">
-                <a:solidFill>
-                  <a:srgbClr val="00B0F0"/>
-                </a:solidFill>
-              </a:rPr>
+              <a:rPr lang="en-GB" sz="6600" b="1" dirty="0" err="1"/>
               <a:t>fiezakay</a:t>
             </a:r>
-            <a:endParaRPr lang="fr-FR" sz="6600" b="1" dirty="0">
-              <a:solidFill>
-                <a:srgbClr val="00B0F0"/>
-              </a:solidFill>
-            </a:endParaRPr>
+            <a:endParaRPr lang="fr-FR" sz="6600" b="1" dirty="0"/>
           </a:p>
           <a:p>
             <a:pPr algn="ctr"/>
             <a:r>
-              <a:rPr lang="en-GB" sz="6600" b="1" dirty="0" err="1" smtClean="0">
-                <a:solidFill>
-                  <a:srgbClr val="00B0F0"/>
-                </a:solidFill>
-              </a:rPr>
+              <a:rPr lang="en-GB" sz="6600" b="1" dirty="0" err="1"/>
               <a:t>Handia</a:t>
             </a:r>
             <a:r>
-              <a:rPr lang="en-GB" sz="6600" b="1" dirty="0" smtClean="0">
-                <a:solidFill>
-                  <a:srgbClr val="00B0F0"/>
-                </a:solidFill>
-              </a:rPr>
+              <a:rPr lang="en-GB" sz="6600" b="1" dirty="0"/>
               <a:t> </a:t>
             </a:r>
             <a:r>
-              <a:rPr lang="en-GB" sz="6600" b="1" dirty="0" err="1">
-                <a:solidFill>
-                  <a:srgbClr val="00B0F0"/>
-                </a:solidFill>
-              </a:rPr>
+              <a:rPr lang="en-GB" sz="6600" b="1" dirty="0" err="1"/>
               <a:t>ny</a:t>
             </a:r>
             <a:r>
-              <a:rPr lang="en-GB" sz="6600" b="1" dirty="0">
-                <a:solidFill>
-                  <a:srgbClr val="00B0F0"/>
-                </a:solidFill>
-              </a:rPr>
+              <a:rPr lang="en-GB" sz="6600" b="1" dirty="0"/>
               <a:t> </a:t>
             </a:r>
             <a:r>
-              <a:rPr lang="en-GB" sz="6600" b="1" dirty="0" err="1" smtClean="0">
-                <a:solidFill>
-                  <a:srgbClr val="00B0F0"/>
-                </a:solidFill>
-              </a:rPr>
+              <a:rPr lang="en-GB" sz="6600" b="1" dirty="0" err="1"/>
               <a:t>lalanao</a:t>
             </a:r>
-            <a:endParaRPr lang="fr-FR" sz="6600" b="1" dirty="0" smtClean="0">
-              <a:solidFill>
-                <a:srgbClr val="00B0F0"/>
-              </a:solidFill>
-            </a:endParaRPr>
+            <a:endParaRPr lang="fr-FR" sz="6600" b="1" dirty="0"/>
           </a:p>
           <a:p>
             <a:pPr algn="ctr"/>
             <a:r>
-              <a:rPr lang="en-GB" sz="6600" b="1" dirty="0" err="1" smtClean="0">
-                <a:solidFill>
-                  <a:srgbClr val="00B0F0"/>
-                </a:solidFill>
-              </a:rPr>
+              <a:rPr lang="en-GB" sz="6600" b="1" dirty="0" err="1"/>
               <a:t>Tsy</a:t>
             </a:r>
             <a:r>
-              <a:rPr lang="en-GB" sz="6600" b="1" dirty="0" smtClean="0">
-                <a:solidFill>
-                  <a:srgbClr val="00B0F0"/>
-                </a:solidFill>
-              </a:rPr>
+              <a:rPr lang="en-GB" sz="6600" b="1" dirty="0"/>
               <a:t> </a:t>
             </a:r>
             <a:r>
-              <a:rPr lang="en-GB" sz="6600" b="1" dirty="0" err="1">
-                <a:solidFill>
-                  <a:srgbClr val="00B0F0"/>
-                </a:solidFill>
-              </a:rPr>
+              <a:rPr lang="en-GB" sz="6600" b="1" dirty="0" err="1"/>
               <a:t>hisy</a:t>
             </a:r>
             <a:r>
-              <a:rPr lang="en-GB" sz="6600" b="1" dirty="0">
-                <a:solidFill>
-                  <a:srgbClr val="00B0F0"/>
-                </a:solidFill>
-              </a:rPr>
+              <a:rPr lang="en-GB" sz="6600" b="1" dirty="0"/>
               <a:t> </a:t>
             </a:r>
             <a:r>
-              <a:rPr lang="en-GB" sz="6600" b="1" dirty="0" err="1">
-                <a:solidFill>
-                  <a:srgbClr val="00B0F0"/>
-                </a:solidFill>
-              </a:rPr>
+              <a:rPr lang="en-GB" sz="6600" b="1" dirty="0" err="1"/>
               <a:t>hijanonanay</a:t>
             </a:r>
-            <a:endParaRPr lang="fr-FR" sz="6600" b="1" dirty="0">
-              <a:solidFill>
-                <a:srgbClr val="00B0F0"/>
-              </a:solidFill>
-            </a:endParaRPr>
+            <a:endParaRPr lang="fr-FR" sz="6600" b="1" dirty="0"/>
           </a:p>
           <a:p>
             <a:pPr algn="ctr"/>
             <a:r>
-              <a:rPr lang="en-GB" sz="6600" b="1" dirty="0" err="1" smtClean="0">
-                <a:solidFill>
-                  <a:srgbClr val="00B0F0"/>
-                </a:solidFill>
-              </a:rPr>
+              <a:rPr lang="en-GB" sz="6600" b="1" dirty="0" err="1"/>
               <a:t>Raha</a:t>
             </a:r>
             <a:r>
-              <a:rPr lang="en-GB" sz="6600" b="1" dirty="0" smtClean="0">
-                <a:solidFill>
-                  <a:srgbClr val="00B0F0"/>
-                </a:solidFill>
-              </a:rPr>
+              <a:rPr lang="en-GB" sz="6600" b="1" dirty="0"/>
               <a:t>  </a:t>
             </a:r>
             <a:r>
-              <a:rPr lang="en-GB" sz="6600" b="1" dirty="0" err="1">
-                <a:solidFill>
-                  <a:srgbClr val="00B0F0"/>
-                </a:solidFill>
-              </a:rPr>
+              <a:rPr lang="en-GB" sz="6600" b="1" dirty="0" err="1"/>
               <a:t>tsy</a:t>
             </a:r>
             <a:r>
-              <a:rPr lang="en-GB" sz="6600" b="1" dirty="0">
-                <a:solidFill>
-                  <a:srgbClr val="00B0F0"/>
-                </a:solidFill>
-              </a:rPr>
+              <a:rPr lang="en-GB" sz="6600" b="1" dirty="0"/>
               <a:t> an-</a:t>
             </a:r>
             <a:r>
-              <a:rPr lang="en-GB" sz="6600" b="1" dirty="0" err="1">
-                <a:solidFill>
-                  <a:srgbClr val="00B0F0"/>
-                </a:solidFill>
-              </a:rPr>
+              <a:rPr lang="en-GB" sz="6600" b="1" dirty="0" err="1"/>
               <a:t>tranonao</a:t>
             </a:r>
             <a:r>
-              <a:rPr lang="en-GB" sz="6600" b="1" dirty="0">
-                <a:solidFill>
-                  <a:srgbClr val="00B0F0"/>
-                </a:solidFill>
-              </a:rPr>
+              <a:rPr lang="en-GB" sz="6600" b="1" dirty="0"/>
               <a:t>.</a:t>
             </a:r>
-            <a:endParaRPr lang="fr-FR" sz="6600" b="1" dirty="0">
-              <a:solidFill>
-                <a:srgbClr val="00B0F0"/>
-              </a:solidFill>
-            </a:endParaRPr>
+            <a:endParaRPr lang="fr-FR" sz="6600" b="1" dirty="0"/>
           </a:p>
         </p:txBody>
       </p:sp>
@@ -3631,13 +3491,6 @@
   <p:clrMapOvr>
     <a:masterClrMapping/>
   </p:clrMapOvr>
-  <p:timing>
-    <p:tnLst>
-      <p:par>
-        <p:cTn id="1" dur="indefinite" restart="never" nodeType="tmRoot"/>
-      </p:par>
-    </p:tnLst>
-  </p:timing>
 </p:sld>
 </file>
 
@@ -3690,15 +3543,7 @@
             </a:r>
             <a:r>
               <a:rPr lang="en-GB" sz="5400" b="1" dirty="0"/>
-              <a:t> </a:t>
-            </a:r>
-            <a:r>
-              <a:rPr lang="en-GB" sz="5400" b="1" dirty="0" smtClean="0"/>
-              <a:t> O </a:t>
-            </a:r>
-            <a:r>
-              <a:rPr lang="en-GB" sz="5400" b="1" dirty="0"/>
-              <a:t>! Ray </a:t>
+              <a:t>  O ! Ray </a:t>
             </a:r>
             <a:r>
               <a:rPr lang="en-GB" sz="5400" b="1" dirty="0" err="1"/>
@@ -3725,15 +3570,15 @@
           <a:p>
             <a:pPr algn="ctr"/>
             <a:r>
-              <a:rPr lang="en-GB" sz="5400" b="1" dirty="0" smtClean="0"/>
+              <a:rPr lang="en-GB" sz="5400" b="1" dirty="0"/>
               <a:t>  </a:t>
             </a:r>
             <a:r>
-              <a:rPr lang="en-GB" sz="5400" b="1" dirty="0" err="1" smtClean="0"/>
+              <a:rPr lang="en-GB" sz="5400" b="1" dirty="0" err="1"/>
               <a:t>Ny</a:t>
             </a:r>
             <a:r>
-              <a:rPr lang="en-GB" sz="5400" b="1" dirty="0" smtClean="0"/>
+              <a:rPr lang="en-GB" sz="5400" b="1" dirty="0"/>
               <a:t> </a:t>
             </a:r>
             <a:r>
@@ -3750,22 +3595,18 @@
             </a:r>
             <a:r>
               <a:rPr lang="en-GB" sz="5400" b="1" dirty="0"/>
-              <a:t> </a:t>
-            </a:r>
-            <a:r>
-              <a:rPr lang="en-GB" sz="5400" b="1" dirty="0" smtClean="0"/>
-              <a:t>;</a:t>
-            </a:r>
-            <a:endParaRPr lang="fr-FR" sz="5400" b="1" dirty="0" smtClean="0"/>
+              <a:t> ;</a:t>
+            </a:r>
+            <a:endParaRPr lang="fr-FR" sz="5400" b="1" dirty="0"/>
           </a:p>
           <a:p>
             <a:pPr algn="ctr"/>
             <a:r>
-              <a:rPr lang="en-GB" sz="5400" b="1" dirty="0" err="1" smtClean="0"/>
+              <a:rPr lang="en-GB" sz="5400" b="1" dirty="0" err="1"/>
               <a:t>Tantano</a:t>
             </a:r>
             <a:r>
-              <a:rPr lang="en-GB" sz="5400" b="1" dirty="0" smtClean="0"/>
+              <a:rPr lang="en-GB" sz="5400" b="1" dirty="0"/>
               <a:t> </a:t>
             </a:r>
             <a:r>
@@ -3789,11 +3630,11 @@
               <a:t> </a:t>
             </a:r>
             <a:r>
-              <a:rPr lang="en-GB" sz="5400" b="1" dirty="0" err="1" smtClean="0"/>
+              <a:rPr lang="en-GB" sz="5400" b="1" dirty="0" err="1"/>
               <a:t>Hankany</a:t>
             </a:r>
             <a:r>
-              <a:rPr lang="en-GB" sz="5400" b="1" dirty="0" smtClean="0"/>
+              <a:rPr lang="en-GB" sz="5400" b="1" dirty="0"/>
               <a:t> </a:t>
             </a:r>
             <a:r>
@@ -3826,13 +3667,6 @@
   <p:clrMapOvr>
     <a:masterClrMapping/>
   </p:clrMapOvr>
-  <p:timing>
-    <p:tnLst>
-      <p:par>
-        <p:cTn id="1" dur="indefinite" restart="never" nodeType="tmRoot"/>
-      </p:par>
-    </p:tnLst>
-  </p:timing>
 </p:sld>
 </file>
 
@@ -3876,218 +3710,110 @@
           <a:p>
             <a:pPr algn="ctr"/>
             <a:r>
-              <a:rPr lang="en-GB" sz="6600" b="1" dirty="0" err="1" smtClean="0">
-                <a:solidFill>
-                  <a:srgbClr val="00B0F0"/>
-                </a:solidFill>
-              </a:rPr>
+              <a:rPr lang="en-GB" sz="6600" b="1" dirty="0" err="1"/>
               <a:t>Ho</a:t>
             </a:r>
             <a:r>
-              <a:rPr lang="en-GB" sz="6600" b="1" dirty="0" smtClean="0">
-                <a:solidFill>
-                  <a:srgbClr val="00B0F0"/>
-                </a:solidFill>
-              </a:rPr>
+              <a:rPr lang="en-GB" sz="6600" b="1" dirty="0"/>
               <a:t> </a:t>
             </a:r>
             <a:r>
-              <a:rPr lang="en-GB" sz="6600" b="1" dirty="0" err="1">
-                <a:solidFill>
-                  <a:srgbClr val="00B0F0"/>
-                </a:solidFill>
-              </a:rPr>
+              <a:rPr lang="en-GB" sz="6600" b="1" dirty="0" err="1"/>
               <a:t>mafy</a:t>
             </a:r>
             <a:r>
-              <a:rPr lang="en-GB" sz="6600" b="1" dirty="0">
-                <a:solidFill>
-                  <a:srgbClr val="00B0F0"/>
-                </a:solidFill>
-              </a:rPr>
+              <a:rPr lang="en-GB" sz="6600" b="1" dirty="0"/>
               <a:t> </a:t>
             </a:r>
             <a:r>
-              <a:rPr lang="en-GB" sz="6600" b="1" dirty="0" err="1">
-                <a:solidFill>
-                  <a:srgbClr val="00B0F0"/>
-                </a:solidFill>
-              </a:rPr>
+              <a:rPr lang="en-GB" sz="6600" b="1" dirty="0" err="1"/>
               <a:t>ny</a:t>
             </a:r>
             <a:r>
-              <a:rPr lang="en-GB" sz="6600" b="1" dirty="0">
-                <a:solidFill>
-                  <a:srgbClr val="00B0F0"/>
-                </a:solidFill>
-              </a:rPr>
+              <a:rPr lang="en-GB" sz="6600" b="1" dirty="0"/>
               <a:t> </a:t>
             </a:r>
             <a:r>
-              <a:rPr lang="en-GB" sz="6600" b="1" dirty="0" err="1">
-                <a:solidFill>
-                  <a:srgbClr val="00B0F0"/>
-                </a:solidFill>
-              </a:rPr>
+              <a:rPr lang="en-GB" sz="6600" b="1" dirty="0" err="1"/>
               <a:t>fiezakay</a:t>
             </a:r>
-            <a:endParaRPr lang="fr-FR" sz="6600" b="1" dirty="0">
-              <a:solidFill>
-                <a:srgbClr val="00B0F0"/>
-              </a:solidFill>
-            </a:endParaRPr>
+            <a:endParaRPr lang="fr-FR" sz="6600" b="1" dirty="0"/>
           </a:p>
           <a:p>
             <a:pPr algn="ctr"/>
             <a:r>
-              <a:rPr lang="en-GB" sz="6600" b="1" dirty="0" err="1" smtClean="0">
-                <a:solidFill>
-                  <a:srgbClr val="00B0F0"/>
-                </a:solidFill>
-              </a:rPr>
+              <a:rPr lang="en-GB" sz="6600" b="1" dirty="0" err="1"/>
               <a:t>Handia</a:t>
             </a:r>
             <a:r>
-              <a:rPr lang="en-GB" sz="6600" b="1" dirty="0" smtClean="0">
-                <a:solidFill>
-                  <a:srgbClr val="00B0F0"/>
-                </a:solidFill>
-              </a:rPr>
+              <a:rPr lang="en-GB" sz="6600" b="1" dirty="0"/>
               <a:t> </a:t>
             </a:r>
             <a:r>
-              <a:rPr lang="en-GB" sz="6600" b="1" dirty="0" err="1">
-                <a:solidFill>
-                  <a:srgbClr val="00B0F0"/>
-                </a:solidFill>
-              </a:rPr>
+              <a:rPr lang="en-GB" sz="6600" b="1" dirty="0" err="1"/>
               <a:t>ny</a:t>
             </a:r>
             <a:r>
-              <a:rPr lang="en-GB" sz="6600" b="1" dirty="0">
-                <a:solidFill>
-                  <a:srgbClr val="00B0F0"/>
-                </a:solidFill>
-              </a:rPr>
+              <a:rPr lang="en-GB" sz="6600" b="1" dirty="0"/>
               <a:t> </a:t>
             </a:r>
             <a:r>
-              <a:rPr lang="en-GB" sz="6600" b="1" dirty="0" err="1" smtClean="0">
-                <a:solidFill>
-                  <a:srgbClr val="00B0F0"/>
-                </a:solidFill>
-              </a:rPr>
+              <a:rPr lang="en-GB" sz="6600" b="1" dirty="0" err="1"/>
               <a:t>lalanao</a:t>
             </a:r>
-            <a:endParaRPr lang="fr-FR" sz="6600" b="1" dirty="0" smtClean="0">
-              <a:solidFill>
-                <a:srgbClr val="00B0F0"/>
-              </a:solidFill>
-            </a:endParaRPr>
+            <a:endParaRPr lang="fr-FR" sz="6600" b="1" dirty="0"/>
           </a:p>
           <a:p>
             <a:pPr algn="ctr"/>
             <a:r>
-              <a:rPr lang="en-GB" sz="6600" b="1" dirty="0" err="1" smtClean="0">
-                <a:solidFill>
-                  <a:srgbClr val="00B0F0"/>
-                </a:solidFill>
-              </a:rPr>
+              <a:rPr lang="en-GB" sz="6600" b="1" dirty="0" err="1"/>
               <a:t>Tsy</a:t>
             </a:r>
             <a:r>
-              <a:rPr lang="en-GB" sz="6600" b="1" dirty="0" smtClean="0">
-                <a:solidFill>
-                  <a:srgbClr val="00B0F0"/>
-                </a:solidFill>
-              </a:rPr>
+              <a:rPr lang="en-GB" sz="6600" b="1" dirty="0"/>
               <a:t> </a:t>
             </a:r>
             <a:r>
-              <a:rPr lang="en-GB" sz="6600" b="1" dirty="0" err="1">
-                <a:solidFill>
-                  <a:srgbClr val="00B0F0"/>
-                </a:solidFill>
-              </a:rPr>
+              <a:rPr lang="en-GB" sz="6600" b="1" dirty="0" err="1"/>
               <a:t>hisy</a:t>
             </a:r>
             <a:r>
-              <a:rPr lang="en-GB" sz="6600" b="1" dirty="0">
-                <a:solidFill>
-                  <a:srgbClr val="00B0F0"/>
-                </a:solidFill>
-              </a:rPr>
+              <a:rPr lang="en-GB" sz="6600" b="1" dirty="0"/>
               <a:t> </a:t>
             </a:r>
             <a:r>
-              <a:rPr lang="en-GB" sz="6600" b="1" dirty="0" err="1">
-                <a:solidFill>
-                  <a:srgbClr val="00B0F0"/>
-                </a:solidFill>
-              </a:rPr>
+              <a:rPr lang="en-GB" sz="6600" b="1" dirty="0" err="1"/>
               <a:t>hijanonanay</a:t>
             </a:r>
-            <a:endParaRPr lang="fr-FR" sz="6600" b="1" dirty="0">
-              <a:solidFill>
-                <a:srgbClr val="00B0F0"/>
-              </a:solidFill>
-            </a:endParaRPr>
+            <a:endParaRPr lang="fr-FR" sz="6600" b="1" dirty="0"/>
           </a:p>
           <a:p>
             <a:pPr algn="ctr"/>
             <a:r>
-              <a:rPr lang="en-GB" sz="6600" b="1" dirty="0" err="1" smtClean="0">
-                <a:solidFill>
-                  <a:srgbClr val="00B0F0"/>
-                </a:solidFill>
-              </a:rPr>
+              <a:rPr lang="en-GB" sz="6600" b="1" dirty="0" err="1"/>
               <a:t>Raha</a:t>
             </a:r>
             <a:r>
-              <a:rPr lang="en-GB" sz="6600" b="1" dirty="0" smtClean="0">
-                <a:solidFill>
-                  <a:srgbClr val="00B0F0"/>
-                </a:solidFill>
-              </a:rPr>
+              <a:rPr lang="en-GB" sz="6600" b="1" dirty="0"/>
               <a:t>  </a:t>
             </a:r>
             <a:r>
-              <a:rPr lang="en-GB" sz="6600" b="1" dirty="0" err="1">
-                <a:solidFill>
-                  <a:srgbClr val="00B0F0"/>
-                </a:solidFill>
-              </a:rPr>
+              <a:rPr lang="en-GB" sz="6600" b="1" dirty="0" err="1"/>
               <a:t>tsy</a:t>
             </a:r>
             <a:r>
-              <a:rPr lang="en-GB" sz="6600" b="1" dirty="0">
-                <a:solidFill>
-                  <a:srgbClr val="00B0F0"/>
-                </a:solidFill>
-              </a:rPr>
+              <a:rPr lang="en-GB" sz="6600" b="1" dirty="0"/>
               <a:t> an-</a:t>
             </a:r>
             <a:r>
-              <a:rPr lang="en-GB" sz="6600" b="1" dirty="0" err="1">
-                <a:solidFill>
-                  <a:srgbClr val="00B0F0"/>
-                </a:solidFill>
-              </a:rPr>
+              <a:rPr lang="en-GB" sz="6600" b="1" dirty="0" err="1"/>
               <a:t>tranonao</a:t>
             </a:r>
             <a:r>
-              <a:rPr lang="en-GB" sz="6600" b="1" dirty="0">
-                <a:solidFill>
-                  <a:srgbClr val="00B0F0"/>
-                </a:solidFill>
-              </a:rPr>
+              <a:rPr lang="en-GB" sz="6600" b="1" dirty="0"/>
               <a:t>.</a:t>
             </a:r>
-            <a:endParaRPr lang="fr-FR" sz="6600" b="1" dirty="0">
-              <a:solidFill>
-                <a:srgbClr val="00B0F0"/>
-              </a:solidFill>
-            </a:endParaRPr>
+            <a:endParaRPr lang="fr-FR" sz="6600" b="1" dirty="0"/>
           </a:p>
         </p:txBody>
       </p:sp>
@@ -4101,13 +3827,6 @@
   <p:clrMapOvr>
     <a:masterClrMapping/>
   </p:clrMapOvr>
-  <p:timing>
-    <p:tnLst>
-      <p:par>
-        <p:cTn id="1" dur="indefinite" restart="never" nodeType="tmRoot"/>
-      </p:par>
-    </p:tnLst>
-  </p:timing>
 </p:sld>
 </file>
 
@@ -4183,11 +3902,11 @@
               <a:t>   </a:t>
             </a:r>
             <a:r>
-              <a:rPr lang="en-GB" sz="6000" b="1" dirty="0" err="1" smtClean="0"/>
+              <a:rPr lang="en-GB" sz="6000" b="1" dirty="0" err="1"/>
               <a:t>Ny</a:t>
             </a:r>
             <a:r>
-              <a:rPr lang="en-GB" sz="6000" b="1" dirty="0" smtClean="0"/>
+              <a:rPr lang="en-GB" sz="6000" b="1" dirty="0"/>
               <a:t> </a:t>
             </a:r>
             <a:r>
@@ -4196,22 +3915,18 @@
             </a:r>
             <a:r>
               <a:rPr lang="en-GB" sz="6000" b="1" dirty="0"/>
-              <a:t> </a:t>
-            </a:r>
-            <a:r>
-              <a:rPr lang="en-GB" sz="6000" b="1" dirty="0" smtClean="0"/>
-              <a:t>;</a:t>
-            </a:r>
-            <a:endParaRPr lang="fr-FR" sz="6000" b="1" dirty="0" smtClean="0"/>
+              <a:t> ;</a:t>
+            </a:r>
+            <a:endParaRPr lang="fr-FR" sz="6000" b="1" dirty="0"/>
           </a:p>
           <a:p>
             <a:pPr algn="ctr"/>
             <a:r>
-              <a:rPr lang="en-GB" sz="6000" b="1" dirty="0" err="1" smtClean="0"/>
+              <a:rPr lang="en-GB" sz="6000" b="1" dirty="0" err="1"/>
               <a:t>Ny</a:t>
             </a:r>
             <a:r>
-              <a:rPr lang="en-GB" sz="6000" b="1" dirty="0" smtClean="0"/>
+              <a:rPr lang="en-GB" sz="6000" b="1" dirty="0"/>
               <a:t> </a:t>
             </a:r>
             <a:r>
@@ -4231,7 +3946,7 @@
           <a:p>
             <a:pPr algn="ctr"/>
             <a:r>
-              <a:rPr lang="en-GB" sz="6000" b="1" dirty="0" smtClean="0"/>
+              <a:rPr lang="en-GB" sz="6000" b="1" dirty="0"/>
               <a:t>  No </a:t>
             </a:r>
             <a:r>
@@ -4264,13 +3979,6 @@
   <p:clrMapOvr>
     <a:masterClrMapping/>
   </p:clrMapOvr>
-  <p:timing>
-    <p:tnLst>
-      <p:par>
-        <p:cTn id="1" dur="indefinite" restart="never" nodeType="tmRoot"/>
-      </p:par>
-    </p:tnLst>
-  </p:timing>
 </p:sld>
 </file>
 
@@ -4314,218 +4022,110 @@
           <a:p>
             <a:pPr algn="ctr"/>
             <a:r>
-              <a:rPr lang="en-GB" sz="6600" b="1" dirty="0" err="1" smtClean="0">
-                <a:solidFill>
-                  <a:srgbClr val="00B0F0"/>
-                </a:solidFill>
-              </a:rPr>
+              <a:rPr lang="en-GB" sz="6600" b="1" dirty="0" err="1"/>
               <a:t>Ho</a:t>
             </a:r>
             <a:r>
-              <a:rPr lang="en-GB" sz="6600" b="1" dirty="0" smtClean="0">
-                <a:solidFill>
-                  <a:srgbClr val="00B0F0"/>
-                </a:solidFill>
-              </a:rPr>
+              <a:rPr lang="en-GB" sz="6600" b="1" dirty="0"/>
               <a:t> </a:t>
             </a:r>
             <a:r>
-              <a:rPr lang="en-GB" sz="6600" b="1" dirty="0" err="1">
-                <a:solidFill>
-                  <a:srgbClr val="00B0F0"/>
-                </a:solidFill>
-              </a:rPr>
+              <a:rPr lang="en-GB" sz="6600" b="1" dirty="0" err="1"/>
               <a:t>mafy</a:t>
             </a:r>
             <a:r>
-              <a:rPr lang="en-GB" sz="6600" b="1" dirty="0">
-                <a:solidFill>
-                  <a:srgbClr val="00B0F0"/>
-                </a:solidFill>
-              </a:rPr>
+              <a:rPr lang="en-GB" sz="6600" b="1" dirty="0"/>
               <a:t> </a:t>
             </a:r>
             <a:r>
-              <a:rPr lang="en-GB" sz="6600" b="1" dirty="0" err="1">
-                <a:solidFill>
-                  <a:srgbClr val="00B0F0"/>
-                </a:solidFill>
-              </a:rPr>
+              <a:rPr lang="en-GB" sz="6600" b="1" dirty="0" err="1"/>
               <a:t>ny</a:t>
             </a:r>
             <a:r>
-              <a:rPr lang="en-GB" sz="6600" b="1" dirty="0">
-                <a:solidFill>
-                  <a:srgbClr val="00B0F0"/>
-                </a:solidFill>
-              </a:rPr>
+              <a:rPr lang="en-GB" sz="6600" b="1" dirty="0"/>
               <a:t> </a:t>
             </a:r>
             <a:r>
-              <a:rPr lang="en-GB" sz="6600" b="1" dirty="0" err="1">
-                <a:solidFill>
-                  <a:srgbClr val="00B0F0"/>
-                </a:solidFill>
-              </a:rPr>
+              <a:rPr lang="en-GB" sz="6600" b="1" dirty="0" err="1"/>
               <a:t>fiezakay</a:t>
             </a:r>
-            <a:endParaRPr lang="fr-FR" sz="6600" b="1" dirty="0">
-              <a:solidFill>
-                <a:srgbClr val="00B0F0"/>
-              </a:solidFill>
-            </a:endParaRPr>
+            <a:endParaRPr lang="fr-FR" sz="6600" b="1" dirty="0"/>
           </a:p>
           <a:p>
             <a:pPr algn="ctr"/>
             <a:r>
-              <a:rPr lang="en-GB" sz="6600" b="1" dirty="0" err="1" smtClean="0">
-                <a:solidFill>
-                  <a:srgbClr val="00B0F0"/>
-                </a:solidFill>
-              </a:rPr>
+              <a:rPr lang="en-GB" sz="6600" b="1" dirty="0" err="1"/>
               <a:t>Handia</a:t>
             </a:r>
             <a:r>
-              <a:rPr lang="en-GB" sz="6600" b="1" dirty="0" smtClean="0">
-                <a:solidFill>
-                  <a:srgbClr val="00B0F0"/>
-                </a:solidFill>
-              </a:rPr>
+              <a:rPr lang="en-GB" sz="6600" b="1" dirty="0"/>
               <a:t> </a:t>
             </a:r>
             <a:r>
-              <a:rPr lang="en-GB" sz="6600" b="1" dirty="0" err="1">
-                <a:solidFill>
-                  <a:srgbClr val="00B0F0"/>
-                </a:solidFill>
-              </a:rPr>
+              <a:rPr lang="en-GB" sz="6600" b="1" dirty="0" err="1"/>
               <a:t>ny</a:t>
             </a:r>
             <a:r>
-              <a:rPr lang="en-GB" sz="6600" b="1" dirty="0">
-                <a:solidFill>
-                  <a:srgbClr val="00B0F0"/>
-                </a:solidFill>
-              </a:rPr>
+              <a:rPr lang="en-GB" sz="6600" b="1" dirty="0"/>
               <a:t> </a:t>
             </a:r>
             <a:r>
-              <a:rPr lang="en-GB" sz="6600" b="1" dirty="0" err="1" smtClean="0">
-                <a:solidFill>
-                  <a:srgbClr val="00B0F0"/>
-                </a:solidFill>
-              </a:rPr>
+              <a:rPr lang="en-GB" sz="6600" b="1" dirty="0" err="1"/>
               <a:t>lalanao</a:t>
             </a:r>
-            <a:endParaRPr lang="fr-FR" sz="6600" b="1" dirty="0" smtClean="0">
-              <a:solidFill>
-                <a:srgbClr val="00B0F0"/>
-              </a:solidFill>
-            </a:endParaRPr>
+            <a:endParaRPr lang="fr-FR" sz="6600" b="1" dirty="0"/>
           </a:p>
           <a:p>
             <a:pPr algn="ctr"/>
             <a:r>
-              <a:rPr lang="en-GB" sz="6600" b="1" dirty="0" err="1" smtClean="0">
-                <a:solidFill>
-                  <a:srgbClr val="00B0F0"/>
-                </a:solidFill>
-              </a:rPr>
+              <a:rPr lang="en-GB" sz="6600" b="1" dirty="0" err="1"/>
               <a:t>Tsy</a:t>
             </a:r>
             <a:r>
-              <a:rPr lang="en-GB" sz="6600" b="1" dirty="0" smtClean="0">
-                <a:solidFill>
-                  <a:srgbClr val="00B0F0"/>
-                </a:solidFill>
-              </a:rPr>
+              <a:rPr lang="en-GB" sz="6600" b="1" dirty="0"/>
               <a:t> </a:t>
             </a:r>
             <a:r>
-              <a:rPr lang="en-GB" sz="6600" b="1" dirty="0" err="1">
-                <a:solidFill>
-                  <a:srgbClr val="00B0F0"/>
-                </a:solidFill>
-              </a:rPr>
+              <a:rPr lang="en-GB" sz="6600" b="1" dirty="0" err="1"/>
               <a:t>hisy</a:t>
             </a:r>
             <a:r>
-              <a:rPr lang="en-GB" sz="6600" b="1" dirty="0">
-                <a:solidFill>
-                  <a:srgbClr val="00B0F0"/>
-                </a:solidFill>
-              </a:rPr>
+              <a:rPr lang="en-GB" sz="6600" b="1" dirty="0"/>
               <a:t> </a:t>
             </a:r>
             <a:r>
-              <a:rPr lang="en-GB" sz="6600" b="1" dirty="0" err="1">
-                <a:solidFill>
-                  <a:srgbClr val="00B0F0"/>
-                </a:solidFill>
-              </a:rPr>
+              <a:rPr lang="en-GB" sz="6600" b="1" dirty="0" err="1"/>
               <a:t>hijanonanay</a:t>
             </a:r>
-            <a:endParaRPr lang="fr-FR" sz="6600" b="1" dirty="0">
-              <a:solidFill>
-                <a:srgbClr val="00B0F0"/>
-              </a:solidFill>
-            </a:endParaRPr>
+            <a:endParaRPr lang="fr-FR" sz="6600" b="1" dirty="0"/>
           </a:p>
           <a:p>
             <a:pPr algn="ctr"/>
             <a:r>
-              <a:rPr lang="en-GB" sz="6600" b="1" dirty="0" err="1" smtClean="0">
-                <a:solidFill>
-                  <a:srgbClr val="00B0F0"/>
-                </a:solidFill>
-              </a:rPr>
+              <a:rPr lang="en-GB" sz="6600" b="1" dirty="0" err="1"/>
               <a:t>Raha</a:t>
             </a:r>
             <a:r>
-              <a:rPr lang="en-GB" sz="6600" b="1" dirty="0" smtClean="0">
-                <a:solidFill>
-                  <a:srgbClr val="00B0F0"/>
-                </a:solidFill>
-              </a:rPr>
+              <a:rPr lang="en-GB" sz="6600" b="1" dirty="0"/>
               <a:t>  </a:t>
             </a:r>
             <a:r>
-              <a:rPr lang="en-GB" sz="6600" b="1" dirty="0" err="1">
-                <a:solidFill>
-                  <a:srgbClr val="00B0F0"/>
-                </a:solidFill>
-              </a:rPr>
+              <a:rPr lang="en-GB" sz="6600" b="1" dirty="0" err="1"/>
               <a:t>tsy</a:t>
             </a:r>
             <a:r>
-              <a:rPr lang="en-GB" sz="6600" b="1" dirty="0">
-                <a:solidFill>
-                  <a:srgbClr val="00B0F0"/>
-                </a:solidFill>
-              </a:rPr>
+              <a:rPr lang="en-GB" sz="6600" b="1" dirty="0"/>
               <a:t> an-</a:t>
             </a:r>
             <a:r>
-              <a:rPr lang="en-GB" sz="6600" b="1" dirty="0" err="1">
-                <a:solidFill>
-                  <a:srgbClr val="00B0F0"/>
-                </a:solidFill>
-              </a:rPr>
+              <a:rPr lang="en-GB" sz="6600" b="1" dirty="0" err="1"/>
               <a:t>tranonao</a:t>
             </a:r>
             <a:r>
-              <a:rPr lang="en-GB" sz="6600" b="1" dirty="0">
-                <a:solidFill>
-                  <a:srgbClr val="00B0F0"/>
-                </a:solidFill>
-              </a:rPr>
+              <a:rPr lang="en-GB" sz="6600" b="1" dirty="0"/>
               <a:t>.</a:t>
             </a:r>
-            <a:endParaRPr lang="fr-FR" sz="6600" b="1" dirty="0">
-              <a:solidFill>
-                <a:srgbClr val="00B0F0"/>
-              </a:solidFill>
-            </a:endParaRPr>
+            <a:endParaRPr lang="fr-FR" sz="6600" b="1" dirty="0"/>
           </a:p>
         </p:txBody>
       </p:sp>
@@ -4539,13 +4139,6 @@
   <p:clrMapOvr>
     <a:masterClrMapping/>
   </p:clrMapOvr>
-  <p:timing>
-    <p:tnLst>
-      <p:par>
-        <p:cTn id="1" dur="indefinite" restart="never" nodeType="tmRoot"/>
-      </p:par>
-    </p:tnLst>
-  </p:timing>
 </p:sld>
 </file>
 
